--- a/Polymorph/rtp/assignment/assignment.pptx
+++ b/Polymorph/rtp/assignment/assignment.pptx
@@ -256,7 +256,7 @@
           <a:p>
             <a:fld id="{B7F0800C-9ACE-418F-9F3E-B25362AC2959}" type="datetimeFigureOut">
               <a:rPr lang="en-US" smtClean="0"/>
-              <a:t>5/6/2024</a:t>
+              <a:t>5/7/2024</a:t>
             </a:fld>
             <a:endParaRPr lang="en-US"/>
           </a:p>
@@ -467,7 +467,7 @@
           <a:p>
             <a:fld id="{B7F0800C-9ACE-418F-9F3E-B25362AC2959}" type="datetimeFigureOut">
               <a:rPr lang="en-US" smtClean="0"/>
-              <a:t>5/6/2024</a:t>
+              <a:t>5/7/2024</a:t>
             </a:fld>
             <a:endParaRPr lang="en-US"/>
           </a:p>
@@ -682,7 +682,7 @@
           <a:p>
             <a:fld id="{B7F0800C-9ACE-418F-9F3E-B25362AC2959}" type="datetimeFigureOut">
               <a:rPr lang="en-US" smtClean="0"/>
-              <a:t>5/6/2024</a:t>
+              <a:t>5/7/2024</a:t>
             </a:fld>
             <a:endParaRPr lang="en-US"/>
           </a:p>
@@ -883,7 +883,7 @@
           <a:p>
             <a:fld id="{B7F0800C-9ACE-418F-9F3E-B25362AC2959}" type="datetimeFigureOut">
               <a:rPr lang="en-US" smtClean="0"/>
-              <a:t>5/6/2024</a:t>
+              <a:t>5/7/2024</a:t>
             </a:fld>
             <a:endParaRPr lang="en-US"/>
           </a:p>
@@ -1162,7 +1162,7 @@
           <a:p>
             <a:fld id="{B7F0800C-9ACE-418F-9F3E-B25362AC2959}" type="datetimeFigureOut">
               <a:rPr lang="en-US" smtClean="0"/>
-              <a:t>5/6/2024</a:t>
+              <a:t>5/7/2024</a:t>
             </a:fld>
             <a:endParaRPr lang="en-US"/>
           </a:p>
@@ -1430,7 +1430,7 @@
           <a:p>
             <a:fld id="{B7F0800C-9ACE-418F-9F3E-B25362AC2959}" type="datetimeFigureOut">
               <a:rPr lang="en-US" smtClean="0"/>
-              <a:t>5/6/2024</a:t>
+              <a:t>5/7/2024</a:t>
             </a:fld>
             <a:endParaRPr lang="en-US"/>
           </a:p>
@@ -1846,7 +1846,7 @@
           <a:p>
             <a:fld id="{B7F0800C-9ACE-418F-9F3E-B25362AC2959}" type="datetimeFigureOut">
               <a:rPr lang="en-US" smtClean="0"/>
-              <a:t>5/6/2024</a:t>
+              <a:t>5/7/2024</a:t>
             </a:fld>
             <a:endParaRPr lang="en-US"/>
           </a:p>
@@ -1995,7 +1995,7 @@
           <a:p>
             <a:fld id="{B7F0800C-9ACE-418F-9F3E-B25362AC2959}" type="datetimeFigureOut">
               <a:rPr lang="en-US" smtClean="0"/>
-              <a:t>5/6/2024</a:t>
+              <a:t>5/7/2024</a:t>
             </a:fld>
             <a:endParaRPr lang="en-US"/>
           </a:p>
@@ -2121,7 +2121,7 @@
           <a:p>
             <a:fld id="{B7F0800C-9ACE-418F-9F3E-B25362AC2959}" type="datetimeFigureOut">
               <a:rPr lang="en-US" smtClean="0"/>
-              <a:t>5/6/2024</a:t>
+              <a:t>5/7/2024</a:t>
             </a:fld>
             <a:endParaRPr lang="en-US"/>
           </a:p>
@@ -2372,7 +2372,7 @@
           <a:p>
             <a:fld id="{B7F0800C-9ACE-418F-9F3E-B25362AC2959}" type="datetimeFigureOut">
               <a:rPr lang="en-US" smtClean="0"/>
-              <a:t>5/6/2024</a:t>
+              <a:t>5/7/2024</a:t>
             </a:fld>
             <a:endParaRPr lang="en-US"/>
           </a:p>
@@ -2817,7 +2817,7 @@
           <a:p>
             <a:fld id="{B7F0800C-9ACE-418F-9F3E-B25362AC2959}" type="datetimeFigureOut">
               <a:rPr lang="en-US" smtClean="0"/>
-              <a:t>5/6/2024</a:t>
+              <a:t>5/7/2024</a:t>
             </a:fld>
             <a:endParaRPr lang="en-US"/>
           </a:p>
@@ -3144,7 +3144,7 @@
           <a:p>
             <a:fld id="{B7F0800C-9ACE-418F-9F3E-B25362AC2959}" type="datetimeFigureOut">
               <a:rPr lang="en-US" smtClean="0"/>
-              <a:t>5/6/2024</a:t>
+              <a:t>5/7/2024</a:t>
             </a:fld>
             <a:endParaRPr lang="en-US"/>
           </a:p>
@@ -4182,6 +4182,146 @@
           </a:fontRef>
         </p:style>
       </p:cxnSp>
+      <p:sp>
+        <p:nvSpPr>
+          <p:cNvPr id="2" name="TextBox 1">
+            <a:extLst>
+              <a:ext uri="{FF2B5EF4-FFF2-40B4-BE49-F238E27FC236}">
+                <a16:creationId xmlns:a16="http://schemas.microsoft.com/office/drawing/2014/main" id="{CC698539-2D08-1C2B-B6BF-0A45385E4BF9}"/>
+              </a:ext>
+            </a:extLst>
+          </p:cNvPr>
+          <p:cNvSpPr txBox="1"/>
+          <p:nvPr/>
+        </p:nvSpPr>
+        <p:spPr>
+          <a:xfrm rot="18319505">
+            <a:off x="3145362" y="2807213"/>
+            <a:ext cx="1012875" cy="369332"/>
+          </a:xfrm>
+          <a:prstGeom prst="rect">
+            <a:avLst/>
+          </a:prstGeom>
+          <a:noFill/>
+        </p:spPr>
+        <p:txBody>
+          <a:bodyPr wrap="square" rtlCol="0">
+            <a:spAutoFit/>
+          </a:bodyPr>
+          <a:lstStyle/>
+          <a:p>
+            <a:r>
+              <a:rPr lang="en-IN" dirty="0"/>
+              <a:t>extends</a:t>
+            </a:r>
+            <a:endParaRPr lang="en-US" dirty="0"/>
+          </a:p>
+        </p:txBody>
+      </p:sp>
+      <p:sp>
+        <p:nvSpPr>
+          <p:cNvPr id="4" name="TextBox 3">
+            <a:extLst>
+              <a:ext uri="{FF2B5EF4-FFF2-40B4-BE49-F238E27FC236}">
+                <a16:creationId xmlns:a16="http://schemas.microsoft.com/office/drawing/2014/main" id="{8B8C3F81-2941-CC13-11FF-2A1070313614}"/>
+              </a:ext>
+            </a:extLst>
+          </p:cNvPr>
+          <p:cNvSpPr txBox="1"/>
+          <p:nvPr/>
+        </p:nvSpPr>
+        <p:spPr>
+          <a:xfrm>
+            <a:off x="3052689" y="3247851"/>
+            <a:ext cx="6105378" cy="369332"/>
+          </a:xfrm>
+          <a:prstGeom prst="rect">
+            <a:avLst/>
+          </a:prstGeom>
+          <a:noFill/>
+        </p:spPr>
+        <p:txBody>
+          <a:bodyPr wrap="square">
+            <a:spAutoFit/>
+          </a:bodyPr>
+          <a:lstStyle/>
+          <a:p>
+            <a:endParaRPr lang="en-US" dirty="0"/>
+          </a:p>
+        </p:txBody>
+      </p:sp>
+      <p:sp>
+        <p:nvSpPr>
+          <p:cNvPr id="5" name="TextBox 4">
+            <a:extLst>
+              <a:ext uri="{FF2B5EF4-FFF2-40B4-BE49-F238E27FC236}">
+                <a16:creationId xmlns:a16="http://schemas.microsoft.com/office/drawing/2014/main" id="{A143C0FA-6C8A-F58B-9FB4-FCB8FFCE90BF}"/>
+              </a:ext>
+            </a:extLst>
+          </p:cNvPr>
+          <p:cNvSpPr txBox="1"/>
+          <p:nvPr/>
+        </p:nvSpPr>
+        <p:spPr>
+          <a:xfrm rot="16200000">
+            <a:off x="5020306" y="2898480"/>
+            <a:ext cx="1012875" cy="369332"/>
+          </a:xfrm>
+          <a:prstGeom prst="rect">
+            <a:avLst/>
+          </a:prstGeom>
+          <a:noFill/>
+        </p:spPr>
+        <p:txBody>
+          <a:bodyPr wrap="square" rtlCol="0">
+            <a:spAutoFit/>
+          </a:bodyPr>
+          <a:lstStyle/>
+          <a:p>
+            <a:r>
+              <a:rPr lang="en-IN" dirty="0"/>
+              <a:t>extends</a:t>
+            </a:r>
+            <a:endParaRPr lang="en-US" dirty="0"/>
+          </a:p>
+        </p:txBody>
+      </p:sp>
+      <p:sp>
+        <p:nvSpPr>
+          <p:cNvPr id="12" name="TextBox 11">
+            <a:extLst>
+              <a:ext uri="{FF2B5EF4-FFF2-40B4-BE49-F238E27FC236}">
+                <a16:creationId xmlns:a16="http://schemas.microsoft.com/office/drawing/2014/main" id="{8A45B714-56AA-CBBF-FFC6-4649014D1191}"/>
+              </a:ext>
+            </a:extLst>
+          </p:cNvPr>
+          <p:cNvSpPr txBox="1"/>
+          <p:nvPr/>
+        </p:nvSpPr>
+        <p:spPr>
+          <a:xfrm rot="2509130">
+            <a:off x="7666818" y="2807212"/>
+            <a:ext cx="1012875" cy="369332"/>
+          </a:xfrm>
+          <a:prstGeom prst="rect">
+            <a:avLst/>
+          </a:prstGeom>
+          <a:noFill/>
+        </p:spPr>
+        <p:txBody>
+          <a:bodyPr wrap="square" rtlCol="0">
+            <a:spAutoFit/>
+          </a:bodyPr>
+          <a:lstStyle/>
+          <a:p>
+            <a:r>
+              <a:rPr lang="en-IN" dirty="0"/>
+              <a:t>extends</a:t>
+            </a:r>
+            <a:endParaRPr lang="en-US" dirty="0"/>
+          </a:p>
+        </p:txBody>
+      </p:sp>
     </p:spTree>
     <p:extLst>
       <p:ext uri="{BB962C8B-B14F-4D97-AF65-F5344CB8AC3E}">
@@ -4675,6 +4815,114 @@
           </a:fontRef>
         </p:style>
       </p:cxnSp>
+      <p:sp>
+        <p:nvSpPr>
+          <p:cNvPr id="2" name="TextBox 1">
+            <a:extLst>
+              <a:ext uri="{FF2B5EF4-FFF2-40B4-BE49-F238E27FC236}">
+                <a16:creationId xmlns:a16="http://schemas.microsoft.com/office/drawing/2014/main" id="{7ECFD6E9-8A1B-4F03-DF56-E70B6EEFC653}"/>
+              </a:ext>
+            </a:extLst>
+          </p:cNvPr>
+          <p:cNvSpPr txBox="1"/>
+          <p:nvPr/>
+        </p:nvSpPr>
+        <p:spPr>
+          <a:xfrm rot="18319505">
+            <a:off x="3145362" y="2807213"/>
+            <a:ext cx="1012875" cy="369332"/>
+          </a:xfrm>
+          <a:prstGeom prst="rect">
+            <a:avLst/>
+          </a:prstGeom>
+          <a:noFill/>
+        </p:spPr>
+        <p:txBody>
+          <a:bodyPr wrap="square" rtlCol="0">
+            <a:spAutoFit/>
+          </a:bodyPr>
+          <a:lstStyle/>
+          <a:p>
+            <a:r>
+              <a:rPr lang="en-IN" dirty="0"/>
+              <a:t>extends</a:t>
+            </a:r>
+            <a:endParaRPr lang="en-US" dirty="0"/>
+          </a:p>
+        </p:txBody>
+      </p:sp>
+      <p:sp>
+        <p:nvSpPr>
+          <p:cNvPr id="3" name="TextBox 2">
+            <a:extLst>
+              <a:ext uri="{FF2B5EF4-FFF2-40B4-BE49-F238E27FC236}">
+                <a16:creationId xmlns:a16="http://schemas.microsoft.com/office/drawing/2014/main" id="{961E1C7C-3815-627E-6626-C4EB9DEF2A87}"/>
+              </a:ext>
+            </a:extLst>
+          </p:cNvPr>
+          <p:cNvSpPr txBox="1"/>
+          <p:nvPr/>
+        </p:nvSpPr>
+        <p:spPr>
+          <a:xfrm rot="16200000">
+            <a:off x="5020306" y="2898480"/>
+            <a:ext cx="1012875" cy="369332"/>
+          </a:xfrm>
+          <a:prstGeom prst="rect">
+            <a:avLst/>
+          </a:prstGeom>
+          <a:noFill/>
+        </p:spPr>
+        <p:txBody>
+          <a:bodyPr wrap="square" rtlCol="0">
+            <a:spAutoFit/>
+          </a:bodyPr>
+          <a:lstStyle/>
+          <a:p>
+            <a:r>
+              <a:rPr lang="en-IN" dirty="0"/>
+              <a:t>extends</a:t>
+            </a:r>
+            <a:endParaRPr lang="en-US" dirty="0"/>
+          </a:p>
+        </p:txBody>
+      </p:sp>
+      <p:sp>
+        <p:nvSpPr>
+          <p:cNvPr id="4" name="TextBox 3">
+            <a:extLst>
+              <a:ext uri="{FF2B5EF4-FFF2-40B4-BE49-F238E27FC236}">
+                <a16:creationId xmlns:a16="http://schemas.microsoft.com/office/drawing/2014/main" id="{76B3DF1B-3BED-E6F7-D20B-D123019BC04D}"/>
+              </a:ext>
+            </a:extLst>
+          </p:cNvPr>
+          <p:cNvSpPr txBox="1"/>
+          <p:nvPr/>
+        </p:nvSpPr>
+        <p:spPr>
+          <a:xfrm rot="2509130">
+            <a:off x="7666818" y="2807212"/>
+            <a:ext cx="1012875" cy="369332"/>
+          </a:xfrm>
+          <a:prstGeom prst="rect">
+            <a:avLst/>
+          </a:prstGeom>
+          <a:noFill/>
+        </p:spPr>
+        <p:txBody>
+          <a:bodyPr wrap="square" rtlCol="0">
+            <a:spAutoFit/>
+          </a:bodyPr>
+          <a:lstStyle/>
+          <a:p>
+            <a:r>
+              <a:rPr lang="en-IN" dirty="0"/>
+              <a:t>extends</a:t>
+            </a:r>
+            <a:endParaRPr lang="en-US" dirty="0"/>
+          </a:p>
+        </p:txBody>
+      </p:sp>
     </p:spTree>
     <p:extLst>
       <p:ext uri="{BB962C8B-B14F-4D97-AF65-F5344CB8AC3E}">
@@ -5164,6 +5412,114 @@
           </a:fontRef>
         </p:style>
       </p:cxnSp>
+      <p:sp>
+        <p:nvSpPr>
+          <p:cNvPr id="2" name="TextBox 1">
+            <a:extLst>
+              <a:ext uri="{FF2B5EF4-FFF2-40B4-BE49-F238E27FC236}">
+                <a16:creationId xmlns:a16="http://schemas.microsoft.com/office/drawing/2014/main" id="{F94B3B28-E949-87E9-5AA4-3A8A3F6F62B6}"/>
+              </a:ext>
+            </a:extLst>
+          </p:cNvPr>
+          <p:cNvSpPr txBox="1"/>
+          <p:nvPr/>
+        </p:nvSpPr>
+        <p:spPr>
+          <a:xfrm rot="18319505">
+            <a:off x="3145362" y="2807213"/>
+            <a:ext cx="1012875" cy="369332"/>
+          </a:xfrm>
+          <a:prstGeom prst="rect">
+            <a:avLst/>
+          </a:prstGeom>
+          <a:noFill/>
+        </p:spPr>
+        <p:txBody>
+          <a:bodyPr wrap="square" rtlCol="0">
+            <a:spAutoFit/>
+          </a:bodyPr>
+          <a:lstStyle/>
+          <a:p>
+            <a:r>
+              <a:rPr lang="en-IN" dirty="0"/>
+              <a:t>extends</a:t>
+            </a:r>
+            <a:endParaRPr lang="en-US" dirty="0"/>
+          </a:p>
+        </p:txBody>
+      </p:sp>
+      <p:sp>
+        <p:nvSpPr>
+          <p:cNvPr id="3" name="TextBox 2">
+            <a:extLst>
+              <a:ext uri="{FF2B5EF4-FFF2-40B4-BE49-F238E27FC236}">
+                <a16:creationId xmlns:a16="http://schemas.microsoft.com/office/drawing/2014/main" id="{82333981-5E46-D913-F7D7-85C61A85A0FE}"/>
+              </a:ext>
+            </a:extLst>
+          </p:cNvPr>
+          <p:cNvSpPr txBox="1"/>
+          <p:nvPr/>
+        </p:nvSpPr>
+        <p:spPr>
+          <a:xfrm rot="16200000">
+            <a:off x="5020306" y="2898480"/>
+            <a:ext cx="1012875" cy="369332"/>
+          </a:xfrm>
+          <a:prstGeom prst="rect">
+            <a:avLst/>
+          </a:prstGeom>
+          <a:noFill/>
+        </p:spPr>
+        <p:txBody>
+          <a:bodyPr wrap="square" rtlCol="0">
+            <a:spAutoFit/>
+          </a:bodyPr>
+          <a:lstStyle/>
+          <a:p>
+            <a:r>
+              <a:rPr lang="en-IN" dirty="0"/>
+              <a:t>extends</a:t>
+            </a:r>
+            <a:endParaRPr lang="en-US" dirty="0"/>
+          </a:p>
+        </p:txBody>
+      </p:sp>
+      <p:sp>
+        <p:nvSpPr>
+          <p:cNvPr id="4" name="TextBox 3">
+            <a:extLst>
+              <a:ext uri="{FF2B5EF4-FFF2-40B4-BE49-F238E27FC236}">
+                <a16:creationId xmlns:a16="http://schemas.microsoft.com/office/drawing/2014/main" id="{8E60CE94-64E5-C261-5A29-0E6D5DC9430A}"/>
+              </a:ext>
+            </a:extLst>
+          </p:cNvPr>
+          <p:cNvSpPr txBox="1"/>
+          <p:nvPr/>
+        </p:nvSpPr>
+        <p:spPr>
+          <a:xfrm rot="2509130">
+            <a:off x="7666818" y="2807212"/>
+            <a:ext cx="1012875" cy="369332"/>
+          </a:xfrm>
+          <a:prstGeom prst="rect">
+            <a:avLst/>
+          </a:prstGeom>
+          <a:noFill/>
+        </p:spPr>
+        <p:txBody>
+          <a:bodyPr wrap="square" rtlCol="0">
+            <a:spAutoFit/>
+          </a:bodyPr>
+          <a:lstStyle/>
+          <a:p>
+            <a:r>
+              <a:rPr lang="en-IN" dirty="0"/>
+              <a:t>extends</a:t>
+            </a:r>
+            <a:endParaRPr lang="en-US" dirty="0"/>
+          </a:p>
+        </p:txBody>
+      </p:sp>
     </p:spTree>
     <p:extLst>
       <p:ext uri="{BB962C8B-B14F-4D97-AF65-F5344CB8AC3E}">
@@ -5669,6 +6025,114 @@
           </a:fontRef>
         </p:style>
       </p:cxnSp>
+      <p:sp>
+        <p:nvSpPr>
+          <p:cNvPr id="2" name="TextBox 1">
+            <a:extLst>
+              <a:ext uri="{FF2B5EF4-FFF2-40B4-BE49-F238E27FC236}">
+                <a16:creationId xmlns:a16="http://schemas.microsoft.com/office/drawing/2014/main" id="{2186EA67-6493-F3AE-2CC4-A408AA9F4751}"/>
+              </a:ext>
+            </a:extLst>
+          </p:cNvPr>
+          <p:cNvSpPr txBox="1"/>
+          <p:nvPr/>
+        </p:nvSpPr>
+        <p:spPr>
+          <a:xfrm rot="18319505">
+            <a:off x="3145362" y="2807213"/>
+            <a:ext cx="1012875" cy="369332"/>
+          </a:xfrm>
+          <a:prstGeom prst="rect">
+            <a:avLst/>
+          </a:prstGeom>
+          <a:noFill/>
+        </p:spPr>
+        <p:txBody>
+          <a:bodyPr wrap="square" rtlCol="0">
+            <a:spAutoFit/>
+          </a:bodyPr>
+          <a:lstStyle/>
+          <a:p>
+            <a:r>
+              <a:rPr lang="en-IN" dirty="0"/>
+              <a:t>extends</a:t>
+            </a:r>
+            <a:endParaRPr lang="en-US" dirty="0"/>
+          </a:p>
+        </p:txBody>
+      </p:sp>
+      <p:sp>
+        <p:nvSpPr>
+          <p:cNvPr id="3" name="TextBox 2">
+            <a:extLst>
+              <a:ext uri="{FF2B5EF4-FFF2-40B4-BE49-F238E27FC236}">
+                <a16:creationId xmlns:a16="http://schemas.microsoft.com/office/drawing/2014/main" id="{28628EFC-D76F-FA4F-55CF-5B02AE0C8AFC}"/>
+              </a:ext>
+            </a:extLst>
+          </p:cNvPr>
+          <p:cNvSpPr txBox="1"/>
+          <p:nvPr/>
+        </p:nvSpPr>
+        <p:spPr>
+          <a:xfrm rot="16200000">
+            <a:off x="5020306" y="2898480"/>
+            <a:ext cx="1012875" cy="369332"/>
+          </a:xfrm>
+          <a:prstGeom prst="rect">
+            <a:avLst/>
+          </a:prstGeom>
+          <a:noFill/>
+        </p:spPr>
+        <p:txBody>
+          <a:bodyPr wrap="square" rtlCol="0">
+            <a:spAutoFit/>
+          </a:bodyPr>
+          <a:lstStyle/>
+          <a:p>
+            <a:r>
+              <a:rPr lang="en-IN" dirty="0"/>
+              <a:t>extends</a:t>
+            </a:r>
+            <a:endParaRPr lang="en-US" dirty="0"/>
+          </a:p>
+        </p:txBody>
+      </p:sp>
+      <p:sp>
+        <p:nvSpPr>
+          <p:cNvPr id="4" name="TextBox 3">
+            <a:extLst>
+              <a:ext uri="{FF2B5EF4-FFF2-40B4-BE49-F238E27FC236}">
+                <a16:creationId xmlns:a16="http://schemas.microsoft.com/office/drawing/2014/main" id="{1993C712-4D75-6A6B-60DF-479583D1DA3A}"/>
+              </a:ext>
+            </a:extLst>
+          </p:cNvPr>
+          <p:cNvSpPr txBox="1"/>
+          <p:nvPr/>
+        </p:nvSpPr>
+        <p:spPr>
+          <a:xfrm rot="2509130">
+            <a:off x="7666818" y="2807212"/>
+            <a:ext cx="1012875" cy="369332"/>
+          </a:xfrm>
+          <a:prstGeom prst="rect">
+            <a:avLst/>
+          </a:prstGeom>
+          <a:noFill/>
+        </p:spPr>
+        <p:txBody>
+          <a:bodyPr wrap="square" rtlCol="0">
+            <a:spAutoFit/>
+          </a:bodyPr>
+          <a:lstStyle/>
+          <a:p>
+            <a:r>
+              <a:rPr lang="en-IN" dirty="0"/>
+              <a:t>extends</a:t>
+            </a:r>
+            <a:endParaRPr lang="en-US" dirty="0"/>
+          </a:p>
+        </p:txBody>
+      </p:sp>
     </p:spTree>
     <p:extLst>
       <p:ext uri="{BB962C8B-B14F-4D97-AF65-F5344CB8AC3E}">
@@ -6162,6 +6626,114 @@
           </a:fontRef>
         </p:style>
       </p:cxnSp>
+      <p:sp>
+        <p:nvSpPr>
+          <p:cNvPr id="2" name="TextBox 1">
+            <a:extLst>
+              <a:ext uri="{FF2B5EF4-FFF2-40B4-BE49-F238E27FC236}">
+                <a16:creationId xmlns:a16="http://schemas.microsoft.com/office/drawing/2014/main" id="{2F7317D5-A8C7-F7B9-F839-D0A6E2E987B1}"/>
+              </a:ext>
+            </a:extLst>
+          </p:cNvPr>
+          <p:cNvSpPr txBox="1"/>
+          <p:nvPr/>
+        </p:nvSpPr>
+        <p:spPr>
+          <a:xfrm rot="18319505">
+            <a:off x="3145362" y="2807213"/>
+            <a:ext cx="1012875" cy="369332"/>
+          </a:xfrm>
+          <a:prstGeom prst="rect">
+            <a:avLst/>
+          </a:prstGeom>
+          <a:noFill/>
+        </p:spPr>
+        <p:txBody>
+          <a:bodyPr wrap="square" rtlCol="0">
+            <a:spAutoFit/>
+          </a:bodyPr>
+          <a:lstStyle/>
+          <a:p>
+            <a:r>
+              <a:rPr lang="en-IN" dirty="0"/>
+              <a:t>extends</a:t>
+            </a:r>
+            <a:endParaRPr lang="en-US" dirty="0"/>
+          </a:p>
+        </p:txBody>
+      </p:sp>
+      <p:sp>
+        <p:nvSpPr>
+          <p:cNvPr id="3" name="TextBox 2">
+            <a:extLst>
+              <a:ext uri="{FF2B5EF4-FFF2-40B4-BE49-F238E27FC236}">
+                <a16:creationId xmlns:a16="http://schemas.microsoft.com/office/drawing/2014/main" id="{6BCC17A6-10DB-3B31-652B-54239204B1AB}"/>
+              </a:ext>
+            </a:extLst>
+          </p:cNvPr>
+          <p:cNvSpPr txBox="1"/>
+          <p:nvPr/>
+        </p:nvSpPr>
+        <p:spPr>
+          <a:xfrm rot="16200000">
+            <a:off x="5020306" y="2898480"/>
+            <a:ext cx="1012875" cy="369332"/>
+          </a:xfrm>
+          <a:prstGeom prst="rect">
+            <a:avLst/>
+          </a:prstGeom>
+          <a:noFill/>
+        </p:spPr>
+        <p:txBody>
+          <a:bodyPr wrap="square" rtlCol="0">
+            <a:spAutoFit/>
+          </a:bodyPr>
+          <a:lstStyle/>
+          <a:p>
+            <a:r>
+              <a:rPr lang="en-IN" dirty="0"/>
+              <a:t>extends</a:t>
+            </a:r>
+            <a:endParaRPr lang="en-US" dirty="0"/>
+          </a:p>
+        </p:txBody>
+      </p:sp>
+      <p:sp>
+        <p:nvSpPr>
+          <p:cNvPr id="4" name="TextBox 3">
+            <a:extLst>
+              <a:ext uri="{FF2B5EF4-FFF2-40B4-BE49-F238E27FC236}">
+                <a16:creationId xmlns:a16="http://schemas.microsoft.com/office/drawing/2014/main" id="{FA573D73-4317-1289-6277-CBB60346ECFA}"/>
+              </a:ext>
+            </a:extLst>
+          </p:cNvPr>
+          <p:cNvSpPr txBox="1"/>
+          <p:nvPr/>
+        </p:nvSpPr>
+        <p:spPr>
+          <a:xfrm rot="2509130">
+            <a:off x="7666818" y="2807212"/>
+            <a:ext cx="1012875" cy="369332"/>
+          </a:xfrm>
+          <a:prstGeom prst="rect">
+            <a:avLst/>
+          </a:prstGeom>
+          <a:noFill/>
+        </p:spPr>
+        <p:txBody>
+          <a:bodyPr wrap="square" rtlCol="0">
+            <a:spAutoFit/>
+          </a:bodyPr>
+          <a:lstStyle/>
+          <a:p>
+            <a:r>
+              <a:rPr lang="en-IN" dirty="0"/>
+              <a:t>extends</a:t>
+            </a:r>
+            <a:endParaRPr lang="en-US" dirty="0"/>
+          </a:p>
+        </p:txBody>
+      </p:sp>
     </p:spTree>
     <p:extLst>
       <p:ext uri="{BB962C8B-B14F-4D97-AF65-F5344CB8AC3E}">
